--- a/Assignment Submissions/Assignment 2/presentation/Assignment_#2.pptx
+++ b/Assignment Submissions/Assignment 2/presentation/Assignment_#2.pptx
@@ -3123,11 +3123,7 @@
           <a:p>
             <a:r>
               <a:rPr lang="en-US" sz="3200" dirty="0" smtClean="0"/>
-              <a:t>Assessing </a:t>
-            </a:r>
-            <a:r>
-              <a:rPr lang="en-US" sz="3200" dirty="0" smtClean="0"/>
-              <a:t>the Potential Impact of the New Tax Law on Housing &amp; Food Expenditure  </a:t>
+              <a:t>Assessing the Potential Impact of the New Tax Law on Housing &amp; Food Expenditure  </a:t>
             </a:r>
             <a:endParaRPr lang="en-US" sz="3200" dirty="0"/>
           </a:p>
@@ -3145,12 +3141,14 @@
         </p:nvSpPr>
         <p:spPr>
           <a:xfrm>
-            <a:off x="1371600" y="3236407"/>
-            <a:ext cx="6400800" cy="2316459"/>
+            <a:off x="1225599" y="3236407"/>
+            <a:ext cx="6694464" cy="2316459"/>
           </a:xfrm>
         </p:spPr>
         <p:txBody>
-          <a:bodyPr/>
+          <a:bodyPr>
+            <a:normAutofit fontScale="92500" lnSpcReduction="10000"/>
+          </a:bodyPr>
           <a:lstStyle/>
           <a:p>
             <a:r>
@@ -3184,7 +3182,88 @@
                   <a:schemeClr val="tx1"/>
                 </a:solidFill>
               </a:rPr>
-              <a:t> repo for this assignment (including data, code, &amp; figs): </a:t>
+              <a:t> repo for this assignment (including data, code, &amp; figs)</a:t>
+            </a:r>
+            <a:r>
+              <a:rPr lang="en-US" sz="2000" dirty="0" smtClean="0">
+                <a:solidFill>
+                  <a:schemeClr val="tx1"/>
+                </a:solidFill>
+              </a:rPr>
+              <a:t>:</a:t>
+            </a:r>
+          </a:p>
+          <a:p>
+            <a:endParaRPr lang="en-US" sz="2000" dirty="0">
+              <a:solidFill>
+                <a:schemeClr val="tx1"/>
+              </a:solidFill>
+            </a:endParaRPr>
+          </a:p>
+          <a:p>
+            <a:r>
+              <a:rPr lang="en-US" sz="2000" dirty="0" smtClean="0">
+                <a:solidFill>
+                  <a:schemeClr val="tx1"/>
+                </a:solidFill>
+              </a:rPr>
+              <a:t> </a:t>
+            </a:r>
+            <a:r>
+              <a:rPr lang="en-US" sz="2000" dirty="0">
+                <a:solidFill>
+                  <a:schemeClr val="tx1"/>
+                </a:solidFill>
+              </a:rPr>
+              <a:t>https://</a:t>
+            </a:r>
+            <a:r>
+              <a:rPr lang="en-US" sz="2000" dirty="0" err="1">
+                <a:solidFill>
+                  <a:schemeClr val="tx1"/>
+                </a:solidFill>
+              </a:rPr>
+              <a:t>github.com</a:t>
+            </a:r>
+            <a:r>
+              <a:rPr lang="en-US" sz="2000" dirty="0">
+                <a:solidFill>
+                  <a:schemeClr val="tx1"/>
+                </a:solidFill>
+              </a:rPr>
+              <a:t>/</a:t>
+            </a:r>
+            <a:r>
+              <a:rPr lang="en-US" sz="2000" dirty="0" err="1">
+                <a:solidFill>
+                  <a:schemeClr val="tx1"/>
+                </a:solidFill>
+              </a:rPr>
+              <a:t>roddlc</a:t>
+            </a:r>
+            <a:r>
+              <a:rPr lang="en-US" sz="2000" dirty="0">
+                <a:solidFill>
+                  <a:schemeClr val="tx1"/>
+                </a:solidFill>
+              </a:rPr>
+              <a:t>/</a:t>
+            </a:r>
+            <a:r>
+              <a:rPr lang="en-US" sz="2000" dirty="0" err="1">
+                <a:solidFill>
+                  <a:schemeClr val="tx1"/>
+                </a:solidFill>
+              </a:rPr>
+              <a:t>telling_stories_with_data</a:t>
+            </a:r>
+            <a:r>
+              <a:rPr lang="en-US" sz="2000" dirty="0">
+                <a:solidFill>
+                  <a:schemeClr val="tx1"/>
+                </a:solidFill>
+              </a:rPr>
+              <a:t>/tree/master/Assignment%20Submissions/Assignment%202</a:t>
             </a:r>
             <a:endParaRPr lang="en-US" sz="2000" dirty="0">
               <a:solidFill>
@@ -3253,6 +3332,7 @@
           </a:bodyPr>
           <a:lstStyle/>
           <a:p>
+            <a:pPr algn="l"/>
             <a:r>
               <a:rPr lang="en-US" sz="2400" dirty="0" smtClean="0"/>
               <a:t>There is a significant difference between the highest and lowest income quintiles</a:t>
@@ -3406,6 +3486,7 @@
           </a:bodyPr>
           <a:lstStyle/>
           <a:p>
+            <a:pPr algn="l"/>
             <a:r>
               <a:rPr lang="en-US" sz="2400" dirty="0" smtClean="0"/>
               <a:t>There is also a significant difference in spending between higher and lower income quintiles on food</a:t>
@@ -3554,20 +3635,17 @@
           </a:xfrm>
         </p:spPr>
         <p:txBody>
-          <a:bodyPr>
-            <a:normAutofit fontScale="90000"/>
+          <a:bodyPr vert="horz" lIns="91440" tIns="45720" rIns="91440" bIns="45720" rtlCol="0" anchor="ctr">
+            <a:noAutofit/>
           </a:bodyPr>
           <a:lstStyle/>
           <a:p>
-            <a:r>
-              <a:rPr lang="en-US" sz="2700" dirty="0" smtClean="0"/>
-              <a:t>Expenditures on food and housing by the highest income quintile have also been trending up</a:t>
-            </a:r>
-            <a:r>
-              <a:rPr lang="en-US" sz="3600" dirty="0" smtClean="0"/>
-              <a:t> </a:t>
-            </a:r>
-            <a:endParaRPr lang="en-US" sz="3600" dirty="0"/>
+            <a:pPr algn="l"/>
+            <a:r>
+              <a:rPr lang="en-US" sz="2400" dirty="0"/>
+              <a:t>Expenditures on food and housing by the highest income quintile have also been trending up </a:t>
+            </a:r>
+            <a:endParaRPr lang="en-US" sz="2400" dirty="0"/>
           </a:p>
         </p:txBody>
       </p:sp>
@@ -3647,7 +3725,15 @@
             </a:pPr>
             <a:r>
               <a:rPr lang="en-US" dirty="0" smtClean="0"/>
-              <a:t>In addition to the significant expenditures on housing and food, the highest income quintile has been consistently increasing its spending more on these two items, in contrast to several other items (e.g., transportation). </a:t>
+              <a:t>In addition to the significant expenditures on housing and food, the highest income quintile has been consistently increasing its spending more on these two items, in contrast </a:t>
+            </a:r>
+            <a:r>
+              <a:rPr lang="en-US" dirty="0" smtClean="0"/>
+              <a:t>to </a:t>
+            </a:r>
+            <a:r>
+              <a:rPr lang="en-US" dirty="0" smtClean="0"/>
+              <a:t>other items (e.g., transportation). </a:t>
             </a:r>
           </a:p>
           <a:p>
@@ -3711,15 +3797,16 @@
         </p:spPr>
         <p:txBody>
           <a:bodyPr>
-            <a:normAutofit fontScale="90000"/>
+            <a:noAutofit/>
           </a:bodyPr>
           <a:lstStyle/>
           <a:p>
-            <a:r>
-              <a:rPr lang="en-US" sz="3600" dirty="0" smtClean="0"/>
+            <a:pPr algn="l"/>
+            <a:r>
+              <a:rPr lang="en-US" sz="2400" dirty="0" smtClean="0"/>
               <a:t>The tax bill disproportionately benefits the highest income quintile</a:t>
             </a:r>
-            <a:endParaRPr lang="en-US" sz="3600" dirty="0"/>
+            <a:endParaRPr lang="en-US" sz="2400" dirty="0"/>
           </a:p>
         </p:txBody>
       </p:sp>
@@ -3852,7 +3939,23 @@
             </a:r>
             <a:r>
               <a:rPr lang="en-US" sz="1400" dirty="0" smtClean="0"/>
-              <a:t>in spending in these two areas by the highest income quintile, it seems logical to expect that they will use some of the savings on both food and housing.</a:t>
+              <a:t>in spending in these two areas by the highest income quintile, it seems logical to expect that they will use some of the </a:t>
+            </a:r>
+            <a:r>
+              <a:rPr lang="en-US" sz="1400" dirty="0" smtClean="0"/>
+              <a:t>newfound </a:t>
+            </a:r>
+            <a:r>
+              <a:rPr lang="en-US" sz="1400" dirty="0" smtClean="0"/>
+              <a:t>tax </a:t>
+            </a:r>
+            <a:r>
+              <a:rPr lang="en-US" sz="1400" dirty="0" smtClean="0"/>
+              <a:t>savings </a:t>
+            </a:r>
+            <a:r>
+              <a:rPr lang="en-US" sz="1400" dirty="0" smtClean="0"/>
+              <a:t>on both food and housing.</a:t>
             </a:r>
           </a:p>
           <a:p>
